--- a/documentions/Power Point Muhammad Khairunnas.pptx
+++ b/documentions/Power Point Muhammad Khairunnas.pptx
@@ -307,7 +307,7 @@
       </p15:sldGuideLst>
     </p:ext>
     <p:ext uri="GoogleSlidesCustomDataVersion2">
-      <go:slidesCustomData xmlns:go="http://customooxmlschemas.google.com/" r:id="rId49" roundtripDataSignature="AMtx7mhwA+e1aJPtc2DDgCVXH1lRvPTFmw=="/>
+      <go:slidesCustomData xmlns:go="http://customooxmlschemas.google.com/" r:id="rId49" roundtripDataSignature="AMtx7mjdE3ecmbSaYMQQDqxHWITwp5ua3w=="/>
     </p:ext>
   </p:extLst>
 </p:presentation>
@@ -4203,7 +4203,7 @@
   <p:cSld>
     <p:spTree>
       <p:nvGrpSpPr>
-        <p:cNvPr id="359" name="Shape 359"/>
+        <p:cNvPr id="360" name="Shape 360"/>
         <p:cNvGrpSpPr/>
         <p:nvPr/>
       </p:nvGrpSpPr>
@@ -4217,7 +4217,7 @@
       </p:grpSpPr>
       <p:sp>
         <p:nvSpPr>
-          <p:cNvPr id="360" name="Google Shape;360;g31e7cf7118f_0_7:notes"/>
+          <p:cNvPr id="361" name="Google Shape;361;g31e7cf7118f_0_7:notes"/>
           <p:cNvSpPr/>
           <p:nvPr>
             <p:ph idx="2" type="sldImg"/>
@@ -4262,7 +4262,7 @@
       </p:sp>
       <p:sp>
         <p:nvSpPr>
-          <p:cNvPr id="361" name="Google Shape;361;g31e7cf7118f_0_7:notes"/>
+          <p:cNvPr id="362" name="Google Shape;362;g31e7cf7118f_0_7:notes"/>
           <p:cNvSpPr txBox="1"/>
           <p:nvPr>
             <p:ph idx="1" type="body"/>
@@ -4437,7 +4437,7 @@
   <p:cSld>
     <p:spTree>
       <p:nvGrpSpPr>
-        <p:cNvPr id="366" name="Shape 366"/>
+        <p:cNvPr id="367" name="Shape 367"/>
         <p:cNvGrpSpPr/>
         <p:nvPr/>
       </p:nvGrpSpPr>
@@ -4451,7 +4451,7 @@
       </p:grpSpPr>
       <p:sp>
         <p:nvSpPr>
-          <p:cNvPr id="367" name="Google Shape;367;g31e7cf7118f_0_14:notes"/>
+          <p:cNvPr id="368" name="Google Shape;368;g31e7cf7118f_0_14:notes"/>
           <p:cNvSpPr/>
           <p:nvPr>
             <p:ph idx="2" type="sldImg"/>
@@ -4496,7 +4496,7 @@
       </p:sp>
       <p:sp>
         <p:nvSpPr>
-          <p:cNvPr id="368" name="Google Shape;368;g31e7cf7118f_0_14:notes"/>
+          <p:cNvPr id="369" name="Google Shape;369;g31e7cf7118f_0_14:notes"/>
           <p:cNvSpPr txBox="1"/>
           <p:nvPr>
             <p:ph idx="1" type="body"/>
@@ -4554,7 +4554,7 @@
   <p:cSld>
     <p:spTree>
       <p:nvGrpSpPr>
-        <p:cNvPr id="373" name="Shape 373"/>
+        <p:cNvPr id="374" name="Shape 374"/>
         <p:cNvGrpSpPr/>
         <p:nvPr/>
       </p:nvGrpSpPr>
@@ -4568,7 +4568,7 @@
       </p:grpSpPr>
       <p:sp>
         <p:nvSpPr>
-          <p:cNvPr id="374" name="Google Shape;374;g31e7cf7118f_0_22:notes"/>
+          <p:cNvPr id="375" name="Google Shape;375;g31e7cf7118f_0_22:notes"/>
           <p:cNvSpPr/>
           <p:nvPr>
             <p:ph idx="2" type="sldImg"/>
@@ -4613,7 +4613,7 @@
       </p:sp>
       <p:sp>
         <p:nvSpPr>
-          <p:cNvPr id="375" name="Google Shape;375;g31e7cf7118f_0_22:notes"/>
+          <p:cNvPr id="376" name="Google Shape;376;g31e7cf7118f_0_22:notes"/>
           <p:cNvSpPr txBox="1"/>
           <p:nvPr>
             <p:ph idx="1" type="body"/>
@@ -4671,7 +4671,7 @@
   <p:cSld>
     <p:spTree>
       <p:nvGrpSpPr>
-        <p:cNvPr id="380" name="Shape 380"/>
+        <p:cNvPr id="381" name="Shape 381"/>
         <p:cNvGrpSpPr/>
         <p:nvPr/>
       </p:nvGrpSpPr>
@@ -4685,7 +4685,7 @@
       </p:grpSpPr>
       <p:sp>
         <p:nvSpPr>
-          <p:cNvPr id="381" name="Google Shape;381;g31e7cf7118f_0_29:notes"/>
+          <p:cNvPr id="382" name="Google Shape;382;g31e7cf7118f_0_29:notes"/>
           <p:cNvSpPr/>
           <p:nvPr>
             <p:ph idx="2" type="sldImg"/>
@@ -4730,7 +4730,7 @@
       </p:sp>
       <p:sp>
         <p:nvSpPr>
-          <p:cNvPr id="382" name="Google Shape;382;g31e7cf7118f_0_29:notes"/>
+          <p:cNvPr id="383" name="Google Shape;383;g31e7cf7118f_0_29:notes"/>
           <p:cNvSpPr txBox="1"/>
           <p:nvPr>
             <p:ph idx="1" type="body"/>
@@ -4788,7 +4788,7 @@
   <p:cSld>
     <p:spTree>
       <p:nvGrpSpPr>
-        <p:cNvPr id="387" name="Shape 387"/>
+        <p:cNvPr id="388" name="Shape 388"/>
         <p:cNvGrpSpPr/>
         <p:nvPr/>
       </p:nvGrpSpPr>
@@ -4802,7 +4802,7 @@
       </p:grpSpPr>
       <p:sp>
         <p:nvSpPr>
-          <p:cNvPr id="388" name="Google Shape;388;g31e7cf7118f_0_37:notes"/>
+          <p:cNvPr id="389" name="Google Shape;389;g31e7cf7118f_0_37:notes"/>
           <p:cNvSpPr/>
           <p:nvPr>
             <p:ph idx="2" type="sldImg"/>
@@ -4847,7 +4847,7 @@
       </p:sp>
       <p:sp>
         <p:nvSpPr>
-          <p:cNvPr id="389" name="Google Shape;389;g31e7cf7118f_0_37:notes"/>
+          <p:cNvPr id="390" name="Google Shape;390;g31e7cf7118f_0_37:notes"/>
           <p:cNvSpPr txBox="1"/>
           <p:nvPr>
             <p:ph idx="1" type="body"/>
@@ -4905,7 +4905,7 @@
   <p:cSld>
     <p:spTree>
       <p:nvGrpSpPr>
-        <p:cNvPr id="394" name="Shape 394"/>
+        <p:cNvPr id="395" name="Shape 395"/>
         <p:cNvGrpSpPr/>
         <p:nvPr/>
       </p:nvGrpSpPr>
@@ -4919,7 +4919,7 @@
       </p:grpSpPr>
       <p:sp>
         <p:nvSpPr>
-          <p:cNvPr id="395" name="Google Shape;395;g26585e5a41e_0_428:notes"/>
+          <p:cNvPr id="396" name="Google Shape;396;g26585e5a41e_0_428:notes"/>
           <p:cNvSpPr/>
           <p:nvPr>
             <p:ph idx="2" type="sldImg"/>
@@ -4964,7 +4964,7 @@
       </p:sp>
       <p:sp>
         <p:nvSpPr>
-          <p:cNvPr id="396" name="Google Shape;396;g26585e5a41e_0_428:notes"/>
+          <p:cNvPr id="397" name="Google Shape;397;g26585e5a41e_0_428:notes"/>
           <p:cNvSpPr txBox="1"/>
           <p:nvPr>
             <p:ph idx="1" type="body"/>
@@ -33307,8 +33307,8 @@
         </p:blipFill>
         <p:spPr>
           <a:xfrm>
-            <a:off x="87000" y="777611"/>
-            <a:ext cx="8840776" cy="3069561"/>
+            <a:off x="152400" y="788511"/>
+            <a:ext cx="8840777" cy="3028183"/>
           </a:xfrm>
           <a:prstGeom prst="rect">
             <a:avLst/>
@@ -34732,8 +34732,8 @@
         </p:nvSpPr>
         <p:spPr>
           <a:xfrm>
-            <a:off x="1117075" y="1136623"/>
-            <a:ext cx="7039800" cy="1862700"/>
+            <a:off x="1095275" y="700600"/>
+            <a:ext cx="7060500" cy="4296300"/>
           </a:xfrm>
           <a:prstGeom prst="rect">
             <a:avLst/>
@@ -34776,9 +34776,592 @@
                 <a:cs typeface="Plus Jakarta Sans"/>
                 <a:sym typeface="Plus Jakarta Sans"/>
               </a:rPr>
-              <a:t>Dari arsitektur dan proses yang dikembangkan proses ETL bisa dilakukan dari tahap extraction. Tapi dengan beberapa keterbatasan pengerjaan proses secara manual terutama di DBT</a:t>
+              <a:t>Conclusion and Recommendation for </a:t>
             </a:r>
-            <a:endParaRPr i="0" sz="2000" u="none" cap="none" strike="noStrike">
+            <a:r>
+              <a:rPr lang="en-US" sz="2000">
+                <a:solidFill>
+                  <a:srgbClr val="262626"/>
+                </a:solidFill>
+                <a:latin typeface="Plus Jakarta Sans"/>
+                <a:ea typeface="Plus Jakarta Sans"/>
+                <a:cs typeface="Plus Jakarta Sans"/>
+                <a:sym typeface="Plus Jakarta Sans"/>
+              </a:rPr>
+              <a:t>architecture</a:t>
+            </a:r>
+            <a:endParaRPr sz="2000">
+              <a:solidFill>
+                <a:srgbClr val="262626"/>
+              </a:solidFill>
+              <a:latin typeface="Plus Jakarta Sans"/>
+              <a:ea typeface="Plus Jakarta Sans"/>
+              <a:cs typeface="Plus Jakarta Sans"/>
+              <a:sym typeface="Plus Jakarta Sans"/>
+            </a:endParaRPr>
+          </a:p>
+          <a:p>
+            <a:pPr indent="0" lvl="0" marL="0" marR="0" rtl="0" algn="l">
+              <a:lnSpc>
+                <a:spcPct val="100000"/>
+              </a:lnSpc>
+              <a:spcBef>
+                <a:spcPts val="0"/>
+              </a:spcBef>
+              <a:spcAft>
+                <a:spcPts val="0"/>
+              </a:spcAft>
+              <a:buClr>
+                <a:schemeClr val="dk1"/>
+              </a:buClr>
+              <a:buSzPts val="1100"/>
+              <a:buFont typeface="Arial"/>
+              <a:buNone/>
+            </a:pPr>
+            <a:r>
+              <a:t/>
+            </a:r>
+            <a:endParaRPr sz="2000">
+              <a:solidFill>
+                <a:srgbClr val="262626"/>
+              </a:solidFill>
+              <a:latin typeface="Plus Jakarta Sans"/>
+              <a:ea typeface="Plus Jakarta Sans"/>
+              <a:cs typeface="Plus Jakarta Sans"/>
+              <a:sym typeface="Plus Jakarta Sans"/>
+            </a:endParaRPr>
+          </a:p>
+          <a:p>
+            <a:pPr indent="-311150" lvl="0" marL="457200" marR="0" rtl="0" algn="l">
+              <a:lnSpc>
+                <a:spcPct val="100000"/>
+              </a:lnSpc>
+              <a:spcBef>
+                <a:spcPts val="0"/>
+              </a:spcBef>
+              <a:spcAft>
+                <a:spcPts val="0"/>
+              </a:spcAft>
+              <a:buClr>
+                <a:srgbClr val="262626"/>
+              </a:buClr>
+              <a:buSzPts val="1300"/>
+              <a:buFont typeface="Plus Jakarta Sans"/>
+              <a:buChar char="●"/>
+            </a:pPr>
+            <a:r>
+              <a:rPr lang="en-US" sz="1300">
+                <a:solidFill>
+                  <a:srgbClr val="262626"/>
+                </a:solidFill>
+                <a:latin typeface="Plus Jakarta Sans"/>
+                <a:ea typeface="Plus Jakarta Sans"/>
+                <a:cs typeface="Plus Jakarta Sans"/>
+                <a:sym typeface="Plus Jakarta Sans"/>
+              </a:rPr>
+              <a:t>Kesimpulan</a:t>
+            </a:r>
+            <a:endParaRPr sz="1300">
+              <a:solidFill>
+                <a:srgbClr val="262626"/>
+              </a:solidFill>
+              <a:latin typeface="Plus Jakarta Sans"/>
+              <a:ea typeface="Plus Jakarta Sans"/>
+              <a:cs typeface="Plus Jakarta Sans"/>
+              <a:sym typeface="Plus Jakarta Sans"/>
+            </a:endParaRPr>
+          </a:p>
+          <a:p>
+            <a:pPr indent="-311150" lvl="1" marL="914400" marR="0" rtl="0" algn="l">
+              <a:lnSpc>
+                <a:spcPct val="100000"/>
+              </a:lnSpc>
+              <a:spcBef>
+                <a:spcPts val="0"/>
+              </a:spcBef>
+              <a:spcAft>
+                <a:spcPts val="0"/>
+              </a:spcAft>
+              <a:buClr>
+                <a:srgbClr val="262626"/>
+              </a:buClr>
+              <a:buSzPts val="1300"/>
+              <a:buFont typeface="Plus Jakarta Sans"/>
+              <a:buChar char="○"/>
+            </a:pPr>
+            <a:r>
+              <a:rPr lang="en-US" sz="1300">
+                <a:solidFill>
+                  <a:srgbClr val="262626"/>
+                </a:solidFill>
+                <a:latin typeface="Plus Jakarta Sans"/>
+                <a:ea typeface="Plus Jakarta Sans"/>
+                <a:cs typeface="Plus Jakarta Sans"/>
+                <a:sym typeface="Plus Jakarta Sans"/>
+              </a:rPr>
+              <a:t>Sistem mampu mengolah data yang terdiri dari 13++ juta baris data</a:t>
+            </a:r>
+            <a:endParaRPr sz="1300">
+              <a:solidFill>
+                <a:srgbClr val="262626"/>
+              </a:solidFill>
+              <a:latin typeface="Plus Jakarta Sans"/>
+              <a:ea typeface="Plus Jakarta Sans"/>
+              <a:cs typeface="Plus Jakarta Sans"/>
+              <a:sym typeface="Plus Jakarta Sans"/>
+            </a:endParaRPr>
+          </a:p>
+          <a:p>
+            <a:pPr indent="-311150" lvl="1" marL="914400" marR="0" rtl="0" algn="l">
+              <a:lnSpc>
+                <a:spcPct val="100000"/>
+              </a:lnSpc>
+              <a:spcBef>
+                <a:spcPts val="0"/>
+              </a:spcBef>
+              <a:spcAft>
+                <a:spcPts val="0"/>
+              </a:spcAft>
+              <a:buClr>
+                <a:srgbClr val="262626"/>
+              </a:buClr>
+              <a:buSzPts val="1300"/>
+              <a:buFont typeface="Plus Jakarta Sans"/>
+              <a:buChar char="○"/>
+            </a:pPr>
+            <a:r>
+              <a:rPr lang="en-US" sz="1300">
+                <a:solidFill>
+                  <a:srgbClr val="262626"/>
+                </a:solidFill>
+                <a:latin typeface="Plus Jakarta Sans"/>
+                <a:ea typeface="Plus Jakarta Sans"/>
+                <a:cs typeface="Plus Jakarta Sans"/>
+                <a:sym typeface="Plus Jakarta Sans"/>
+              </a:rPr>
+              <a:t>Sistem ETL mampu melakukan proses ingestion data hingga tahap data modeling dengan DBT</a:t>
+            </a:r>
+            <a:endParaRPr sz="1300">
+              <a:solidFill>
+                <a:srgbClr val="262626"/>
+              </a:solidFill>
+              <a:latin typeface="Plus Jakarta Sans"/>
+              <a:ea typeface="Plus Jakarta Sans"/>
+              <a:cs typeface="Plus Jakarta Sans"/>
+              <a:sym typeface="Plus Jakarta Sans"/>
+            </a:endParaRPr>
+          </a:p>
+          <a:p>
+            <a:pPr indent="-311150" lvl="1" marL="914400" marR="0" rtl="0" algn="l">
+              <a:lnSpc>
+                <a:spcPct val="100000"/>
+              </a:lnSpc>
+              <a:spcBef>
+                <a:spcPts val="0"/>
+              </a:spcBef>
+              <a:spcAft>
+                <a:spcPts val="0"/>
+              </a:spcAft>
+              <a:buClr>
+                <a:srgbClr val="262626"/>
+              </a:buClr>
+              <a:buSzPts val="1300"/>
+              <a:buFont typeface="Plus Jakarta Sans"/>
+              <a:buChar char="○"/>
+            </a:pPr>
+            <a:r>
+              <a:rPr lang="en-US" sz="1300">
+                <a:solidFill>
+                  <a:srgbClr val="262626"/>
+                </a:solidFill>
+                <a:latin typeface="Plus Jakarta Sans"/>
+                <a:ea typeface="Plus Jakarta Sans"/>
+                <a:cs typeface="Plus Jakarta Sans"/>
+                <a:sym typeface="Plus Jakarta Sans"/>
+              </a:rPr>
+              <a:t>Ada beberapa kendala terutama penyesuaian versi spark airflow dan spark di cluster</a:t>
+            </a:r>
+            <a:endParaRPr sz="1300">
+              <a:solidFill>
+                <a:srgbClr val="262626"/>
+              </a:solidFill>
+              <a:latin typeface="Plus Jakarta Sans"/>
+              <a:ea typeface="Plus Jakarta Sans"/>
+              <a:cs typeface="Plus Jakarta Sans"/>
+              <a:sym typeface="Plus Jakarta Sans"/>
+            </a:endParaRPr>
+          </a:p>
+          <a:p>
+            <a:pPr indent="-311150" lvl="1" marL="914400" marR="0" rtl="0" algn="l">
+              <a:lnSpc>
+                <a:spcPct val="100000"/>
+              </a:lnSpc>
+              <a:spcBef>
+                <a:spcPts val="0"/>
+              </a:spcBef>
+              <a:spcAft>
+                <a:spcPts val="0"/>
+              </a:spcAft>
+              <a:buClr>
+                <a:srgbClr val="262626"/>
+              </a:buClr>
+              <a:buSzPts val="1300"/>
+              <a:buFont typeface="Plus Jakarta Sans"/>
+              <a:buChar char="○"/>
+            </a:pPr>
+            <a:r>
+              <a:rPr lang="en-US" sz="1300">
+                <a:solidFill>
+                  <a:srgbClr val="262626"/>
+                </a:solidFill>
+                <a:latin typeface="Plus Jakarta Sans"/>
+                <a:ea typeface="Plus Jakarta Sans"/>
+                <a:cs typeface="Plus Jakarta Sans"/>
+                <a:sym typeface="Plus Jakarta Sans"/>
+              </a:rPr>
+              <a:t>Data storage mampu menyimpan data parquet yang sudah </a:t>
+            </a:r>
+            <a:r>
+              <a:rPr lang="en-US" sz="1300">
+                <a:solidFill>
+                  <a:srgbClr val="262626"/>
+                </a:solidFill>
+                <a:latin typeface="Plus Jakarta Sans"/>
+                <a:ea typeface="Plus Jakarta Sans"/>
+                <a:cs typeface="Plus Jakarta Sans"/>
+                <a:sym typeface="Plus Jakarta Sans"/>
+              </a:rPr>
+              <a:t>dikelompokkan</a:t>
+            </a:r>
+            <a:r>
+              <a:rPr lang="en-US" sz="1300">
+                <a:solidFill>
+                  <a:srgbClr val="262626"/>
+                </a:solidFill>
+                <a:latin typeface="Plus Jakarta Sans"/>
+                <a:ea typeface="Plus Jakarta Sans"/>
+                <a:cs typeface="Plus Jakarta Sans"/>
+                <a:sym typeface="Plus Jakarta Sans"/>
+              </a:rPr>
+              <a:t> berdasarkan bulan-tahun</a:t>
+            </a:r>
+            <a:endParaRPr sz="1300">
+              <a:solidFill>
+                <a:srgbClr val="262626"/>
+              </a:solidFill>
+              <a:latin typeface="Plus Jakarta Sans"/>
+              <a:ea typeface="Plus Jakarta Sans"/>
+              <a:cs typeface="Plus Jakarta Sans"/>
+              <a:sym typeface="Plus Jakarta Sans"/>
+            </a:endParaRPr>
+          </a:p>
+          <a:p>
+            <a:pPr indent="-311150" lvl="0" marL="457200" marR="0" rtl="0" algn="l">
+              <a:lnSpc>
+                <a:spcPct val="100000"/>
+              </a:lnSpc>
+              <a:spcBef>
+                <a:spcPts val="0"/>
+              </a:spcBef>
+              <a:spcAft>
+                <a:spcPts val="0"/>
+              </a:spcAft>
+              <a:buClr>
+                <a:srgbClr val="262626"/>
+              </a:buClr>
+              <a:buSzPts val="1300"/>
+              <a:buFont typeface="Plus Jakarta Sans"/>
+              <a:buChar char="●"/>
+            </a:pPr>
+            <a:r>
+              <a:rPr lang="en-US" sz="1300">
+                <a:solidFill>
+                  <a:srgbClr val="262626"/>
+                </a:solidFill>
+                <a:latin typeface="Plus Jakarta Sans"/>
+                <a:ea typeface="Plus Jakarta Sans"/>
+                <a:cs typeface="Plus Jakarta Sans"/>
+                <a:sym typeface="Plus Jakarta Sans"/>
+              </a:rPr>
+              <a:t>Keterbatasan</a:t>
+            </a:r>
+            <a:endParaRPr sz="1300">
+              <a:solidFill>
+                <a:srgbClr val="262626"/>
+              </a:solidFill>
+              <a:latin typeface="Plus Jakarta Sans"/>
+              <a:ea typeface="Plus Jakarta Sans"/>
+              <a:cs typeface="Plus Jakarta Sans"/>
+              <a:sym typeface="Plus Jakarta Sans"/>
+            </a:endParaRPr>
+          </a:p>
+          <a:p>
+            <a:pPr indent="-311150" lvl="1" marL="914400" marR="0" rtl="0" algn="l">
+              <a:lnSpc>
+                <a:spcPct val="100000"/>
+              </a:lnSpc>
+              <a:spcBef>
+                <a:spcPts val="0"/>
+              </a:spcBef>
+              <a:spcAft>
+                <a:spcPts val="0"/>
+              </a:spcAft>
+              <a:buClr>
+                <a:srgbClr val="262626"/>
+              </a:buClr>
+              <a:buSzPts val="1300"/>
+              <a:buFont typeface="Plus Jakarta Sans"/>
+              <a:buChar char="○"/>
+            </a:pPr>
+            <a:r>
+              <a:rPr lang="en-US" sz="1300">
+                <a:solidFill>
+                  <a:srgbClr val="262626"/>
+                </a:solidFill>
+                <a:latin typeface="Plus Jakarta Sans"/>
+                <a:ea typeface="Plus Jakarta Sans"/>
+                <a:cs typeface="Plus Jakarta Sans"/>
+                <a:sym typeface="Plus Jakarta Sans"/>
+              </a:rPr>
+              <a:t>Beberapa proses dijalankan masih dengan manual terutama ketika membuat visualisasi dengan power BI</a:t>
+            </a:r>
+            <a:endParaRPr sz="1300">
+              <a:solidFill>
+                <a:srgbClr val="262626"/>
+              </a:solidFill>
+              <a:latin typeface="Plus Jakarta Sans"/>
+              <a:ea typeface="Plus Jakarta Sans"/>
+              <a:cs typeface="Plus Jakarta Sans"/>
+              <a:sym typeface="Plus Jakarta Sans"/>
+            </a:endParaRPr>
+          </a:p>
+          <a:p>
+            <a:pPr indent="-311150" lvl="1" marL="914400" marR="0" rtl="0" algn="l">
+              <a:lnSpc>
+                <a:spcPct val="100000"/>
+              </a:lnSpc>
+              <a:spcBef>
+                <a:spcPts val="0"/>
+              </a:spcBef>
+              <a:spcAft>
+                <a:spcPts val="0"/>
+              </a:spcAft>
+              <a:buClr>
+                <a:srgbClr val="262626"/>
+              </a:buClr>
+              <a:buSzPts val="1300"/>
+              <a:buFont typeface="Plus Jakarta Sans"/>
+              <a:buChar char="○"/>
+            </a:pPr>
+            <a:r>
+              <a:rPr lang="en-US" sz="1300">
+                <a:solidFill>
+                  <a:srgbClr val="262626"/>
+                </a:solidFill>
+                <a:latin typeface="Plus Jakarta Sans"/>
+                <a:ea typeface="Plus Jakarta Sans"/>
+                <a:cs typeface="Plus Jakarta Sans"/>
+                <a:sym typeface="Plus Jakarta Sans"/>
+              </a:rPr>
+              <a:t>Proses berjalan lumayan lama karena proses data yang cukup </a:t>
+            </a:r>
+            <a:r>
+              <a:rPr lang="en-US" sz="1300">
+                <a:solidFill>
+                  <a:srgbClr val="262626"/>
+                </a:solidFill>
+                <a:latin typeface="Plus Jakarta Sans"/>
+                <a:ea typeface="Plus Jakarta Sans"/>
+                <a:cs typeface="Plus Jakarta Sans"/>
+                <a:sym typeface="Plus Jakarta Sans"/>
+              </a:rPr>
+              <a:t>banyak</a:t>
+            </a:r>
+            <a:endParaRPr sz="1300">
+              <a:solidFill>
+                <a:srgbClr val="262626"/>
+              </a:solidFill>
+              <a:latin typeface="Plus Jakarta Sans"/>
+              <a:ea typeface="Plus Jakarta Sans"/>
+              <a:cs typeface="Plus Jakarta Sans"/>
+              <a:sym typeface="Plus Jakarta Sans"/>
+            </a:endParaRPr>
+          </a:p>
+          <a:p>
+            <a:pPr indent="-311150" lvl="0" marL="457200" marR="0" rtl="0" algn="l">
+              <a:lnSpc>
+                <a:spcPct val="100000"/>
+              </a:lnSpc>
+              <a:spcBef>
+                <a:spcPts val="0"/>
+              </a:spcBef>
+              <a:spcAft>
+                <a:spcPts val="0"/>
+              </a:spcAft>
+              <a:buClr>
+                <a:srgbClr val="262626"/>
+              </a:buClr>
+              <a:buSzPts val="1300"/>
+              <a:buFont typeface="Plus Jakarta Sans"/>
+              <a:buChar char="●"/>
+            </a:pPr>
+            <a:r>
+              <a:rPr lang="en-US" sz="1300">
+                <a:solidFill>
+                  <a:srgbClr val="262626"/>
+                </a:solidFill>
+                <a:latin typeface="Plus Jakarta Sans"/>
+                <a:ea typeface="Plus Jakarta Sans"/>
+                <a:cs typeface="Plus Jakarta Sans"/>
+                <a:sym typeface="Plus Jakarta Sans"/>
+              </a:rPr>
+              <a:t>Rekomendasi</a:t>
+            </a:r>
+            <a:endParaRPr sz="1300">
+              <a:solidFill>
+                <a:srgbClr val="262626"/>
+              </a:solidFill>
+              <a:latin typeface="Plus Jakarta Sans"/>
+              <a:ea typeface="Plus Jakarta Sans"/>
+              <a:cs typeface="Plus Jakarta Sans"/>
+              <a:sym typeface="Plus Jakarta Sans"/>
+            </a:endParaRPr>
+          </a:p>
+          <a:p>
+            <a:pPr indent="-311150" lvl="1" marL="914400" marR="0" rtl="0" algn="l">
+              <a:lnSpc>
+                <a:spcPct val="100000"/>
+              </a:lnSpc>
+              <a:spcBef>
+                <a:spcPts val="0"/>
+              </a:spcBef>
+              <a:spcAft>
+                <a:spcPts val="0"/>
+              </a:spcAft>
+              <a:buClr>
+                <a:srgbClr val="262626"/>
+              </a:buClr>
+              <a:buSzPts val="1300"/>
+              <a:buFont typeface="Plus Jakarta Sans"/>
+              <a:buChar char="○"/>
+            </a:pPr>
+            <a:r>
+              <a:rPr lang="en-US" sz="1300">
+                <a:solidFill>
+                  <a:srgbClr val="262626"/>
+                </a:solidFill>
+                <a:latin typeface="Plus Jakarta Sans"/>
+                <a:ea typeface="Plus Jakarta Sans"/>
+                <a:cs typeface="Plus Jakarta Sans"/>
+                <a:sym typeface="Plus Jakarta Sans"/>
+              </a:rPr>
+              <a:t>Menyimpan data setelah </a:t>
+            </a:r>
+            <a:r>
+              <a:rPr lang="en-US" sz="1300">
+                <a:solidFill>
+                  <a:srgbClr val="262626"/>
+                </a:solidFill>
+                <a:latin typeface="Plus Jakarta Sans"/>
+                <a:ea typeface="Plus Jakarta Sans"/>
+                <a:cs typeface="Plus Jakarta Sans"/>
+                <a:sym typeface="Plus Jakarta Sans"/>
+              </a:rPr>
+              <a:t>ditransformasi</a:t>
+            </a:r>
+            <a:r>
+              <a:rPr lang="en-US" sz="1300">
+                <a:solidFill>
+                  <a:srgbClr val="262626"/>
+                </a:solidFill>
+                <a:latin typeface="Plus Jakarta Sans"/>
+                <a:ea typeface="Plus Jakarta Sans"/>
+                <a:cs typeface="Plus Jakarta Sans"/>
+                <a:sym typeface="Plus Jakarta Sans"/>
+              </a:rPr>
+              <a:t> ke platform data warehouse sebenarnya</a:t>
+            </a:r>
+            <a:endParaRPr sz="1300">
+              <a:solidFill>
+                <a:srgbClr val="262626"/>
+              </a:solidFill>
+              <a:latin typeface="Plus Jakarta Sans"/>
+              <a:ea typeface="Plus Jakarta Sans"/>
+              <a:cs typeface="Plus Jakarta Sans"/>
+              <a:sym typeface="Plus Jakarta Sans"/>
+            </a:endParaRPr>
+          </a:p>
+          <a:p>
+            <a:pPr indent="-311150" lvl="1" marL="914400" marR="0" rtl="0" algn="l">
+              <a:lnSpc>
+                <a:spcPct val="100000"/>
+              </a:lnSpc>
+              <a:spcBef>
+                <a:spcPts val="0"/>
+              </a:spcBef>
+              <a:spcAft>
+                <a:spcPts val="0"/>
+              </a:spcAft>
+              <a:buClr>
+                <a:srgbClr val="262626"/>
+              </a:buClr>
+              <a:buSzPts val="1300"/>
+              <a:buFont typeface="Plus Jakarta Sans"/>
+              <a:buChar char="○"/>
+            </a:pPr>
+            <a:r>
+              <a:rPr lang="en-US" sz="1300">
+                <a:solidFill>
+                  <a:srgbClr val="262626"/>
+                </a:solidFill>
+                <a:latin typeface="Plus Jakarta Sans"/>
+                <a:ea typeface="Plus Jakarta Sans"/>
+                <a:cs typeface="Plus Jakarta Sans"/>
+                <a:sym typeface="Plus Jakarta Sans"/>
+              </a:rPr>
+              <a:t>Menerapkan monitoring untuk sistem yang sedang berjalan</a:t>
+            </a:r>
+            <a:endParaRPr sz="1300">
+              <a:solidFill>
+                <a:srgbClr val="262626"/>
+              </a:solidFill>
+              <a:latin typeface="Plus Jakarta Sans"/>
+              <a:ea typeface="Plus Jakarta Sans"/>
+              <a:cs typeface="Plus Jakarta Sans"/>
+              <a:sym typeface="Plus Jakarta Sans"/>
+            </a:endParaRPr>
+          </a:p>
+          <a:p>
+            <a:pPr indent="-311150" lvl="1" marL="914400" marR="0" rtl="0" algn="l">
+              <a:lnSpc>
+                <a:spcPct val="100000"/>
+              </a:lnSpc>
+              <a:spcBef>
+                <a:spcPts val="0"/>
+              </a:spcBef>
+              <a:spcAft>
+                <a:spcPts val="0"/>
+              </a:spcAft>
+              <a:buClr>
+                <a:srgbClr val="262626"/>
+              </a:buClr>
+              <a:buSzPts val="1300"/>
+              <a:buFont typeface="Plus Jakarta Sans"/>
+              <a:buChar char="○"/>
+            </a:pPr>
+            <a:r>
+              <a:rPr lang="en-US" sz="1300">
+                <a:solidFill>
+                  <a:srgbClr val="262626"/>
+                </a:solidFill>
+                <a:latin typeface="Plus Jakarta Sans"/>
+                <a:ea typeface="Plus Jakarta Sans"/>
+                <a:cs typeface="Plus Jakarta Sans"/>
+                <a:sym typeface="Plus Jakarta Sans"/>
+              </a:rPr>
+              <a:t>Menerapkan metadata, dan data lineage untuk implementasi data governance </a:t>
+            </a:r>
+            <a:endParaRPr sz="1300">
               <a:solidFill>
                 <a:srgbClr val="262626"/>
               </a:solidFill>
@@ -35014,6 +35597,64 @@
           </a:ln>
         </p:spPr>
       </p:pic>
+      <p:sp>
+        <p:nvSpPr>
+          <p:cNvPr id="359" name="Google Shape;359;g31e7cf7118f_0_0"/>
+          <p:cNvSpPr txBox="1"/>
+          <p:nvPr/>
+        </p:nvSpPr>
+        <p:spPr>
+          <a:xfrm>
+            <a:off x="239600" y="47975"/>
+            <a:ext cx="2736000" cy="632100"/>
+          </a:xfrm>
+          <a:prstGeom prst="rect">
+            <a:avLst/>
+          </a:prstGeom>
+          <a:noFill/>
+          <a:ln>
+            <a:noFill/>
+          </a:ln>
+        </p:spPr>
+        <p:txBody>
+          <a:bodyPr anchorCtr="0" anchor="t" bIns="91425" lIns="91425" spcFirstLastPara="1" rIns="91425" wrap="square" tIns="91425">
+            <a:noAutofit/>
+          </a:bodyPr>
+          <a:lstStyle/>
+          <a:p>
+            <a:pPr indent="0" lvl="0" marL="0" rtl="0" algn="l">
+              <a:spcBef>
+                <a:spcPts val="0"/>
+              </a:spcBef>
+              <a:spcAft>
+                <a:spcPts val="0"/>
+              </a:spcAft>
+              <a:buNone/>
+            </a:pPr>
+            <a:r>
+              <a:rPr lang="en-US" sz="3200">
+                <a:solidFill>
+                  <a:schemeClr val="dk1"/>
+                </a:solidFill>
+                <a:latin typeface="Calibri"/>
+                <a:ea typeface="Calibri"/>
+                <a:cs typeface="Calibri"/>
+                <a:sym typeface="Calibri"/>
+              </a:rPr>
+              <a:t>Result Analysis</a:t>
+            </a:r>
+            <a:endParaRPr sz="3200">
+              <a:solidFill>
+                <a:schemeClr val="dk1"/>
+              </a:solidFill>
+              <a:latin typeface="Calibri"/>
+              <a:ea typeface="Calibri"/>
+              <a:cs typeface="Calibri"/>
+              <a:sym typeface="Calibri"/>
+            </a:endParaRPr>
+          </a:p>
+        </p:txBody>
+      </p:sp>
     </p:spTree>
   </p:cSld>
   <p:clrMapOvr>
@@ -35034,7 +35675,7 @@
     </p:bg>
     <p:spTree>
       <p:nvGrpSpPr>
-        <p:cNvPr id="362" name="Shape 362"/>
+        <p:cNvPr id="363" name="Shape 363"/>
         <p:cNvGrpSpPr/>
         <p:nvPr/>
       </p:nvGrpSpPr>
@@ -35048,7 +35689,7 @@
       </p:grpSpPr>
       <p:pic>
         <p:nvPicPr>
-          <p:cNvPr id="363" name="Google Shape;363;g31e7cf7118f_0_7"/>
+          <p:cNvPr id="364" name="Google Shape;364;g31e7cf7118f_0_7"/>
           <p:cNvPicPr preferRelativeResize="0"/>
           <p:nvPr/>
         </p:nvPicPr>
@@ -35075,7 +35716,7 @@
       </p:pic>
       <p:sp>
         <p:nvSpPr>
-          <p:cNvPr id="364" name="Google Shape;364;g31e7cf7118f_0_7"/>
+          <p:cNvPr id="365" name="Google Shape;365;g31e7cf7118f_0_7"/>
           <p:cNvSpPr txBox="1"/>
           <p:nvPr/>
         </p:nvSpPr>
@@ -35212,7 +35853,7 @@
       </p:sp>
       <p:pic>
         <p:nvPicPr>
-          <p:cNvPr id="365" name="Google Shape;365;g31e7cf7118f_0_7"/>
+          <p:cNvPr id="366" name="Google Shape;366;g31e7cf7118f_0_7"/>
           <p:cNvPicPr preferRelativeResize="0"/>
           <p:nvPr/>
         </p:nvPicPr>
@@ -35564,7 +36205,7 @@
     </p:bg>
     <p:spTree>
       <p:nvGrpSpPr>
-        <p:cNvPr id="369" name="Shape 369"/>
+        <p:cNvPr id="370" name="Shape 370"/>
         <p:cNvGrpSpPr/>
         <p:nvPr/>
       </p:nvGrpSpPr>
@@ -35578,7 +36219,7 @@
       </p:grpSpPr>
       <p:pic>
         <p:nvPicPr>
-          <p:cNvPr id="370" name="Google Shape;370;g31e7cf7118f_0_14"/>
+          <p:cNvPr id="371" name="Google Shape;371;g31e7cf7118f_0_14"/>
           <p:cNvPicPr preferRelativeResize="0"/>
           <p:nvPr/>
         </p:nvPicPr>
@@ -35605,7 +36246,7 @@
       </p:pic>
       <p:sp>
         <p:nvSpPr>
-          <p:cNvPr id="371" name="Google Shape;371;g31e7cf7118f_0_14"/>
+          <p:cNvPr id="372" name="Google Shape;372;g31e7cf7118f_0_14"/>
           <p:cNvSpPr txBox="1"/>
           <p:nvPr/>
         </p:nvSpPr>
@@ -35671,7 +36312,7 @@
       </p:sp>
       <p:pic>
         <p:nvPicPr>
-          <p:cNvPr id="372" name="Google Shape;372;g31e7cf7118f_0_14"/>
+          <p:cNvPr id="373" name="Google Shape;373;g31e7cf7118f_0_14"/>
           <p:cNvPicPr preferRelativeResize="0"/>
           <p:nvPr/>
         </p:nvPicPr>
@@ -35717,7 +36358,7 @@
     </p:bg>
     <p:spTree>
       <p:nvGrpSpPr>
-        <p:cNvPr id="376" name="Shape 376"/>
+        <p:cNvPr id="377" name="Shape 377"/>
         <p:cNvGrpSpPr/>
         <p:nvPr/>
       </p:nvGrpSpPr>
@@ -35731,7 +36372,7 @@
       </p:grpSpPr>
       <p:pic>
         <p:nvPicPr>
-          <p:cNvPr id="377" name="Google Shape;377;g31e7cf7118f_0_22"/>
+          <p:cNvPr id="378" name="Google Shape;378;g31e7cf7118f_0_22"/>
           <p:cNvPicPr preferRelativeResize="0"/>
           <p:nvPr/>
         </p:nvPicPr>
@@ -35758,7 +36399,7 @@
       </p:pic>
       <p:sp>
         <p:nvSpPr>
-          <p:cNvPr id="378" name="Google Shape;378;g31e7cf7118f_0_22"/>
+          <p:cNvPr id="379" name="Google Shape;379;g31e7cf7118f_0_22"/>
           <p:cNvSpPr txBox="1"/>
           <p:nvPr/>
         </p:nvSpPr>
@@ -35824,7 +36465,7 @@
       </p:sp>
       <p:pic>
         <p:nvPicPr>
-          <p:cNvPr id="379" name="Google Shape;379;g31e7cf7118f_0_22"/>
+          <p:cNvPr id="380" name="Google Shape;380;g31e7cf7118f_0_22"/>
           <p:cNvPicPr preferRelativeResize="0"/>
           <p:nvPr/>
         </p:nvPicPr>
@@ -35870,7 +36511,7 @@
     </p:bg>
     <p:spTree>
       <p:nvGrpSpPr>
-        <p:cNvPr id="383" name="Shape 383"/>
+        <p:cNvPr id="384" name="Shape 384"/>
         <p:cNvGrpSpPr/>
         <p:nvPr/>
       </p:nvGrpSpPr>
@@ -35884,7 +36525,7 @@
       </p:grpSpPr>
       <p:pic>
         <p:nvPicPr>
-          <p:cNvPr id="384" name="Google Shape;384;g31e7cf7118f_0_29"/>
+          <p:cNvPr id="385" name="Google Shape;385;g31e7cf7118f_0_29"/>
           <p:cNvPicPr preferRelativeResize="0"/>
           <p:nvPr/>
         </p:nvPicPr>
@@ -35911,7 +36552,7 @@
       </p:pic>
       <p:sp>
         <p:nvSpPr>
-          <p:cNvPr id="385" name="Google Shape;385;g31e7cf7118f_0_29"/>
+          <p:cNvPr id="386" name="Google Shape;386;g31e7cf7118f_0_29"/>
           <p:cNvSpPr txBox="1"/>
           <p:nvPr/>
         </p:nvSpPr>
@@ -35977,7 +36618,7 @@
       </p:sp>
       <p:pic>
         <p:nvPicPr>
-          <p:cNvPr id="386" name="Google Shape;386;g31e7cf7118f_0_29"/>
+          <p:cNvPr id="387" name="Google Shape;387;g31e7cf7118f_0_29"/>
           <p:cNvPicPr preferRelativeResize="0"/>
           <p:nvPr/>
         </p:nvPicPr>
@@ -36023,7 +36664,7 @@
     </p:bg>
     <p:spTree>
       <p:nvGrpSpPr>
-        <p:cNvPr id="390" name="Shape 390"/>
+        <p:cNvPr id="391" name="Shape 391"/>
         <p:cNvGrpSpPr/>
         <p:nvPr/>
       </p:nvGrpSpPr>
@@ -36037,7 +36678,7 @@
       </p:grpSpPr>
       <p:pic>
         <p:nvPicPr>
-          <p:cNvPr id="391" name="Google Shape;391;g31e7cf7118f_0_37"/>
+          <p:cNvPr id="392" name="Google Shape;392;g31e7cf7118f_0_37"/>
           <p:cNvPicPr preferRelativeResize="0"/>
           <p:nvPr/>
         </p:nvPicPr>
@@ -36064,7 +36705,7 @@
       </p:pic>
       <p:sp>
         <p:nvSpPr>
-          <p:cNvPr id="392" name="Google Shape;392;g31e7cf7118f_0_37"/>
+          <p:cNvPr id="393" name="Google Shape;393;g31e7cf7118f_0_37"/>
           <p:cNvSpPr txBox="1"/>
           <p:nvPr/>
         </p:nvSpPr>
@@ -36130,7 +36771,7 @@
       </p:sp>
       <p:pic>
         <p:nvPicPr>
-          <p:cNvPr id="393" name="Google Shape;393;g31e7cf7118f_0_37"/>
+          <p:cNvPr id="394" name="Google Shape;394;g31e7cf7118f_0_37"/>
           <p:cNvPicPr preferRelativeResize="0"/>
           <p:nvPr/>
         </p:nvPicPr>
@@ -36176,7 +36817,7 @@
     </p:bg>
     <p:spTree>
       <p:nvGrpSpPr>
-        <p:cNvPr id="397" name="Shape 397"/>
+        <p:cNvPr id="398" name="Shape 398"/>
         <p:cNvGrpSpPr/>
         <p:nvPr/>
       </p:nvGrpSpPr>
@@ -36190,7 +36831,7 @@
       </p:grpSpPr>
       <p:sp>
         <p:nvSpPr>
-          <p:cNvPr id="398" name="Google Shape;398;g26585e5a41e_0_428"/>
+          <p:cNvPr id="399" name="Google Shape;399;g26585e5a41e_0_428"/>
           <p:cNvSpPr txBox="1"/>
           <p:nvPr>
             <p:ph type="ctrTitle"/>
@@ -36278,7 +36919,7 @@
       </p:sp>
       <p:grpSp>
         <p:nvGrpSpPr>
-          <p:cNvPr id="399" name="Google Shape;399;g26585e5a41e_0_428"/>
+          <p:cNvPr id="400" name="Google Shape;400;g26585e5a41e_0_428"/>
           <p:cNvGrpSpPr/>
           <p:nvPr/>
         </p:nvGrpSpPr>
@@ -36292,7 +36933,7 @@
         </p:grpSpPr>
         <p:sp>
           <p:nvSpPr>
-            <p:cNvPr id="400" name="Google Shape;400;g26585e5a41e_0_428"/>
+            <p:cNvPr id="401" name="Google Shape;401;g26585e5a41e_0_428"/>
             <p:cNvSpPr/>
             <p:nvPr/>
           </p:nvSpPr>
@@ -36351,7 +36992,7 @@
         </p:sp>
         <p:sp>
           <p:nvSpPr>
-            <p:cNvPr id="401" name="Google Shape;401;g26585e5a41e_0_428"/>
+            <p:cNvPr id="402" name="Google Shape;402;g26585e5a41e_0_428"/>
             <p:cNvSpPr/>
             <p:nvPr/>
           </p:nvSpPr>
@@ -36410,7 +37051,7 @@
         </p:sp>
         <p:sp>
           <p:nvSpPr>
-            <p:cNvPr id="402" name="Google Shape;402;g26585e5a41e_0_428"/>
+            <p:cNvPr id="403" name="Google Shape;403;g26585e5a41e_0_428"/>
             <p:cNvSpPr/>
             <p:nvPr/>
           </p:nvSpPr>
@@ -36469,7 +37110,7 @@
         </p:sp>
         <p:sp>
           <p:nvSpPr>
-            <p:cNvPr id="403" name="Google Shape;403;g26585e5a41e_0_428"/>
+            <p:cNvPr id="404" name="Google Shape;404;g26585e5a41e_0_428"/>
             <p:cNvSpPr/>
             <p:nvPr/>
           </p:nvSpPr>
@@ -36529,7 +37170,7 @@
       </p:grpSp>
       <p:grpSp>
         <p:nvGrpSpPr>
-          <p:cNvPr id="404" name="Google Shape;404;g26585e5a41e_0_428"/>
+          <p:cNvPr id="405" name="Google Shape;405;g26585e5a41e_0_428"/>
           <p:cNvGrpSpPr/>
           <p:nvPr/>
         </p:nvGrpSpPr>
@@ -36543,7 +37184,7 @@
         </p:grpSpPr>
         <p:sp>
           <p:nvSpPr>
-            <p:cNvPr id="405" name="Google Shape;405;g26585e5a41e_0_428"/>
+            <p:cNvPr id="406" name="Google Shape;406;g26585e5a41e_0_428"/>
             <p:cNvSpPr/>
             <p:nvPr/>
           </p:nvSpPr>
@@ -36602,7 +37243,7 @@
         </p:sp>
         <p:sp>
           <p:nvSpPr>
-            <p:cNvPr id="406" name="Google Shape;406;g26585e5a41e_0_428"/>
+            <p:cNvPr id="407" name="Google Shape;407;g26585e5a41e_0_428"/>
             <p:cNvSpPr/>
             <p:nvPr/>
           </p:nvSpPr>
@@ -36661,7 +37302,7 @@
         </p:sp>
         <p:sp>
           <p:nvSpPr>
-            <p:cNvPr id="407" name="Google Shape;407;g26585e5a41e_0_428"/>
+            <p:cNvPr id="408" name="Google Shape;408;g26585e5a41e_0_428"/>
             <p:cNvSpPr/>
             <p:nvPr/>
           </p:nvSpPr>
@@ -36720,7 +37361,7 @@
         </p:sp>
         <p:sp>
           <p:nvSpPr>
-            <p:cNvPr id="408" name="Google Shape;408;g26585e5a41e_0_428"/>
+            <p:cNvPr id="409" name="Google Shape;409;g26585e5a41e_0_428"/>
             <p:cNvSpPr/>
             <p:nvPr/>
           </p:nvSpPr>
@@ -36780,7 +37421,7 @@
       </p:grpSp>
       <p:pic>
         <p:nvPicPr>
-          <p:cNvPr id="409" name="Google Shape;409;g26585e5a41e_0_428"/>
+          <p:cNvPr id="410" name="Google Shape;410;g26585e5a41e_0_428"/>
           <p:cNvPicPr preferRelativeResize="0"/>
           <p:nvPr/>
         </p:nvPicPr>

--- a/documentions/Power Point Muhammad Khairunnas.pptx
+++ b/documentions/Power Point Muhammad Khairunnas.pptx
@@ -307,7 +307,7 @@
       </p15:sldGuideLst>
     </p:ext>
     <p:ext uri="GoogleSlidesCustomDataVersion2">
-      <go:slidesCustomData xmlns:go="http://customooxmlschemas.google.com/" r:id="rId49" roundtripDataSignature="AMtx7mjdE3ecmbSaYMQQDqxHWITwp5ua3w=="/>
+      <go:slidesCustomData xmlns:go="http://customooxmlschemas.google.com/" r:id="rId49" roundtripDataSignature="AMtx7mjqu2B55sDqx7WUaKT2w5szFnVmKg=="/>
     </p:ext>
   </p:extLst>
 </p:presentation>
@@ -33308,7 +33308,7 @@
         <p:spPr>
           <a:xfrm>
             <a:off x="152400" y="788511"/>
-            <a:ext cx="8840777" cy="3028183"/>
+            <a:ext cx="8840776" cy="3069561"/>
           </a:xfrm>
           <a:prstGeom prst="rect">
             <a:avLst/>
